--- a/O. Week 3-4-2019/FinalPresentationWittler.pptx
+++ b/O. Week 3-4-2019/FinalPresentationWittler.pptx
@@ -6,11 +6,17 @@
   </p:sldMasterIdLst>
   <p:sldIdLst>
     <p:sldId id="256" r:id="rId2"/>
-    <p:sldId id="259" r:id="rId3"/>
-    <p:sldId id="257" r:id="rId4"/>
-    <p:sldId id="258" r:id="rId5"/>
-    <p:sldId id="260" r:id="rId6"/>
-    <p:sldId id="261" r:id="rId7"/>
+    <p:sldId id="267" r:id="rId3"/>
+    <p:sldId id="259" r:id="rId4"/>
+    <p:sldId id="257" r:id="rId5"/>
+    <p:sldId id="258" r:id="rId6"/>
+    <p:sldId id="260" r:id="rId7"/>
+    <p:sldId id="261" r:id="rId8"/>
+    <p:sldId id="265" r:id="rId9"/>
+    <p:sldId id="262" r:id="rId10"/>
+    <p:sldId id="263" r:id="rId11"/>
+    <p:sldId id="264" r:id="rId12"/>
+    <p:sldId id="266" r:id="rId13"/>
   </p:sldIdLst>
   <p:sldSz cx="12192000" cy="6858000"/>
   <p:notesSz cx="6858000" cy="9144000"/>
@@ -8291,18 +8297,18 @@
         <p:spPr>
           <a:xfrm>
             <a:off x="433136" y="5091762"/>
-            <a:ext cx="8079493" cy="1264588"/>
+            <a:ext cx="8509386" cy="1264588"/>
           </a:xfrm>
         </p:spPr>
         <p:txBody>
           <a:bodyPr anchor="ctr">
-            <a:normAutofit/>
+            <a:noAutofit/>
           </a:bodyPr>
           <a:lstStyle/>
           <a:p>
             <a:pPr algn="r"/>
             <a:r>
-              <a:rPr lang="en-US" sz="4200" dirty="0">
+              <a:rPr lang="en-US" sz="4400" dirty="0">
                 <a:latin typeface="Times New Roman" panose="02020603050405020304" pitchFamily="18" charset="0"/>
                 <a:cs typeface="Times New Roman" panose="02020603050405020304" pitchFamily="18" charset="0"/>
               </a:rPr>
@@ -8329,7 +8335,7 @@
         </p:nvSpPr>
         <p:spPr>
           <a:xfrm>
-            <a:off x="8784657" y="5091763"/>
+            <a:off x="9590568" y="5162074"/>
             <a:ext cx="2974207" cy="1264587"/>
           </a:xfrm>
         </p:spPr>
@@ -8392,6 +8398,519 @@
 </p:sld>
 </file>
 
+<file path=ppt/slides/slide10.xml><?xml version="1.0" encoding="utf-8"?>
+<p:sld xmlns:a="http://schemas.openxmlformats.org/drawingml/2006/main" xmlns:r="http://schemas.openxmlformats.org/officeDocument/2006/relationships" xmlns:p="http://schemas.openxmlformats.org/presentationml/2006/main">
+  <p:cSld>
+    <p:bg>
+      <p:bgPr>
+        <a:solidFill>
+          <a:schemeClr val="bg1"/>
+        </a:solidFill>
+        <a:effectLst/>
+      </p:bgPr>
+    </p:bg>
+    <p:spTree>
+      <p:nvGrpSpPr>
+        <p:cNvPr id="1" name=""/>
+        <p:cNvGrpSpPr/>
+        <p:nvPr/>
+      </p:nvGrpSpPr>
+      <p:grpSpPr>
+        <a:xfrm>
+          <a:off x="0" y="0"/>
+          <a:ext cx="0" cy="0"/>
+          <a:chOff x="0" y="0"/>
+          <a:chExt cx="0" cy="0"/>
+        </a:xfrm>
+      </p:grpSpPr>
+      <p:sp>
+        <p:nvSpPr>
+          <p:cNvPr id="75" name="Rectangle 74">
+            <a:extLst>
+              <a:ext uri="{FF2B5EF4-FFF2-40B4-BE49-F238E27FC236}">
+                <a16:creationId xmlns:a16="http://schemas.microsoft.com/office/drawing/2014/main" id="{823AC064-BC96-4F32-8AE1-B2FD38754823}"/>
+              </a:ext>
+              <a:ext uri="{C183D7F6-B498-43B3-948B-1728B52AA6E4}">
+                <adec:decorative xmlns:adec="http://schemas.microsoft.com/office/drawing/2017/decorative" val="1"/>
+              </a:ext>
+            </a:extLst>
+          </p:cNvPr>
+          <p:cNvSpPr>
+            <a:spLocks noGrp="1" noRot="1" noChangeAspect="1" noMove="1" noResize="1" noEditPoints="1" noAdjustHandles="1" noChangeArrowheads="1" noChangeShapeType="1" noTextEdit="1"/>
+          </p:cNvSpPr>
+          <p:nvPr>
+            <p:extLst>
+              <p:ext uri="{386F3935-93C4-4BCD-93E2-E3B085C9AB24}">
+                <p16:designElem xmlns:p16="http://schemas.microsoft.com/office/powerpoint/2015/main" val="1"/>
+              </p:ext>
+            </p:extLst>
+          </p:nvPr>
+        </p:nvSpPr>
+        <p:spPr bwMode="ltGray">
+          <a:xfrm>
+            <a:off x="396882" y="280374"/>
+            <a:ext cx="11438793" cy="1844256"/>
+          </a:xfrm>
+          <a:prstGeom prst="rect">
+            <a:avLst/>
+          </a:prstGeom>
+          <a:solidFill>
+            <a:srgbClr val="404040"/>
+          </a:solidFill>
+          <a:ln w="127000" cap="sq" cmpd="thinThick">
+            <a:solidFill>
+              <a:srgbClr val="404040"/>
+            </a:solidFill>
+          </a:ln>
+        </p:spPr>
+        <p:style>
+          <a:lnRef idx="2">
+            <a:schemeClr val="accent1">
+              <a:shade val="50000"/>
+            </a:schemeClr>
+          </a:lnRef>
+          <a:fillRef idx="1">
+            <a:schemeClr val="accent1"/>
+          </a:fillRef>
+          <a:effectRef idx="0">
+            <a:schemeClr val="accent1"/>
+          </a:effectRef>
+          <a:fontRef idx="minor">
+            <a:schemeClr val="lt1"/>
+          </a:fontRef>
+        </p:style>
+        <p:txBody>
+          <a:bodyPr rtlCol="0" anchor="ctr"/>
+          <a:lstStyle/>
+          <a:p>
+            <a:pPr algn="ctr"/>
+            <a:endParaRPr lang="en-US"/>
+          </a:p>
+        </p:txBody>
+      </p:sp>
+      <p:sp>
+        <p:nvSpPr>
+          <p:cNvPr id="2" name="Title 1">
+            <a:extLst>
+              <a:ext uri="{FF2B5EF4-FFF2-40B4-BE49-F238E27FC236}">
+                <a16:creationId xmlns:a16="http://schemas.microsoft.com/office/drawing/2014/main" id="{9A06D1BE-6004-4137-BD09-B7F55F08C551}"/>
+              </a:ext>
+            </a:extLst>
+          </p:cNvPr>
+          <p:cNvSpPr>
+            <a:spLocks noGrp="1"/>
+          </p:cNvSpPr>
+          <p:nvPr>
+            <p:ph type="title"/>
+          </p:nvPr>
+        </p:nvSpPr>
+        <p:spPr>
+          <a:xfrm>
+            <a:off x="546351" y="433545"/>
+            <a:ext cx="11139854" cy="930447"/>
+          </a:xfrm>
+        </p:spPr>
+        <p:txBody>
+          <a:bodyPr vert="horz" lIns="91440" tIns="45720" rIns="91440" bIns="45720" rtlCol="0" anchor="b">
+            <a:normAutofit/>
+          </a:bodyPr>
+          <a:lstStyle/>
+          <a:p>
+            <a:pPr algn="ctr"/>
+            <a:r>
+              <a:rPr lang="en-US" sz="5400" dirty="0">
+                <a:solidFill>
+                  <a:srgbClr val="FFFFFF"/>
+                </a:solidFill>
+              </a:rPr>
+              <a:t>Neural Networks</a:t>
+            </a:r>
+          </a:p>
+        </p:txBody>
+      </p:sp>
+      <p:cxnSp>
+        <p:nvCxnSpPr>
+          <p:cNvPr id="77" name="Straight Connector 76">
+            <a:extLst>
+              <a:ext uri="{FF2B5EF4-FFF2-40B4-BE49-F238E27FC236}">
+                <a16:creationId xmlns:a16="http://schemas.microsoft.com/office/drawing/2014/main" id="{7E7C77BC-7138-40B1-A15B-20F57A494629}"/>
+              </a:ext>
+              <a:ext uri="{C183D7F6-B498-43B3-948B-1728B52AA6E4}">
+                <adec:decorative xmlns:adec="http://schemas.microsoft.com/office/drawing/2017/decorative" val="1"/>
+              </a:ext>
+            </a:extLst>
+          </p:cNvPr>
+          <p:cNvCxnSpPr>
+            <a:cxnSpLocks noGrp="1" noRot="1" noChangeAspect="1" noMove="1" noResize="1" noEditPoints="1" noAdjustHandles="1" noChangeArrowheads="1" noChangeShapeType="1"/>
+          </p:cNvCxnSpPr>
+          <p:nvPr>
+            <p:extLst>
+              <p:ext uri="{386F3935-93C4-4BCD-93E2-E3B085C9AB24}">
+                <p16:designElem xmlns:p16="http://schemas.microsoft.com/office/powerpoint/2015/main" val="1"/>
+              </p:ext>
+            </p:extLst>
+          </p:nvPr>
+        </p:nvCxnSpPr>
+        <p:spPr>
+          <a:xfrm>
+            <a:off x="2230078" y="1522292"/>
+            <a:ext cx="7772400" cy="0"/>
+          </a:xfrm>
+          <a:prstGeom prst="line">
+            <a:avLst/>
+          </a:prstGeom>
+          <a:ln w="22225">
+            <a:solidFill>
+              <a:srgbClr val="D9D9D9"/>
+            </a:solidFill>
+          </a:ln>
+        </p:spPr>
+        <p:style>
+          <a:lnRef idx="1">
+            <a:schemeClr val="accent1"/>
+          </a:lnRef>
+          <a:fillRef idx="0">
+            <a:schemeClr val="accent1"/>
+          </a:fillRef>
+          <a:effectRef idx="0">
+            <a:schemeClr val="accent1"/>
+          </a:effectRef>
+          <a:fontRef idx="minor">
+            <a:schemeClr val="tx1"/>
+          </a:fontRef>
+        </p:style>
+      </p:cxnSp>
+      <p:pic>
+        <p:nvPicPr>
+          <p:cNvPr id="3074" name="Picture 2" descr="Image result for most basic neural network example">
+            <a:extLst>
+              <a:ext uri="{FF2B5EF4-FFF2-40B4-BE49-F238E27FC236}">
+                <a16:creationId xmlns:a16="http://schemas.microsoft.com/office/drawing/2014/main" id="{886BB5B1-2F00-4630-B2A3-DB545F905438}"/>
+              </a:ext>
+            </a:extLst>
+          </p:cNvPr>
+          <p:cNvPicPr>
+            <a:picLocks noChangeAspect="1" noChangeArrowheads="1"/>
+          </p:cNvPicPr>
+          <p:nvPr/>
+        </p:nvPicPr>
+        <p:blipFill>
+          <a:blip r:embed="rId2">
+            <a:extLst>
+              <a:ext uri="{28A0092B-C50C-407E-A947-70E740481C1C}">
+                <a14:useLocalDpi xmlns:a14="http://schemas.microsoft.com/office/drawing/2010/main" val="0"/>
+              </a:ext>
+            </a:extLst>
+          </a:blip>
+          <a:srcRect/>
+          <a:stretch>
+            <a:fillRect/>
+          </a:stretch>
+        </p:blipFill>
+        <p:spPr bwMode="auto">
+          <a:xfrm>
+            <a:off x="331567" y="2741122"/>
+            <a:ext cx="5455917" cy="3369028"/>
+          </a:xfrm>
+          <a:prstGeom prst="rect">
+            <a:avLst/>
+          </a:prstGeom>
+          <a:noFill/>
+          <a:extLst>
+            <a:ext uri="{909E8E84-426E-40DD-AFC4-6F175D3DCCD1}">
+              <a14:hiddenFill xmlns:a14="http://schemas.microsoft.com/office/drawing/2010/main">
+                <a:solidFill>
+                  <a:srgbClr val="FFFFFF"/>
+                </a:solidFill>
+              </a14:hiddenFill>
+            </a:ext>
+          </a:extLst>
+        </p:spPr>
+      </p:pic>
+      <p:cxnSp>
+        <p:nvCxnSpPr>
+          <p:cNvPr id="79" name="Straight Connector 78">
+            <a:extLst>
+              <a:ext uri="{FF2B5EF4-FFF2-40B4-BE49-F238E27FC236}">
+                <a16:creationId xmlns:a16="http://schemas.microsoft.com/office/drawing/2014/main" id="{DB146403-F3D6-484B-B2ED-97F9565D0370}"/>
+              </a:ext>
+              <a:ext uri="{C183D7F6-B498-43B3-948B-1728B52AA6E4}">
+                <adec:decorative xmlns:adec="http://schemas.microsoft.com/office/drawing/2017/decorative" val="1"/>
+              </a:ext>
+            </a:extLst>
+          </p:cNvPr>
+          <p:cNvCxnSpPr>
+            <a:cxnSpLocks noGrp="1" noRot="1" noChangeAspect="1" noMove="1" noResize="1" noEditPoints="1" noAdjustHandles="1" noChangeArrowheads="1" noChangeShapeType="1"/>
+          </p:cNvCxnSpPr>
+          <p:nvPr>
+            <p:extLst>
+              <p:ext uri="{386F3935-93C4-4BCD-93E2-E3B085C9AB24}">
+                <p16:designElem xmlns:p16="http://schemas.microsoft.com/office/powerpoint/2015/main" val="1"/>
+              </p:ext>
+            </p:extLst>
+          </p:nvPr>
+        </p:nvCxnSpPr>
+        <p:spPr>
+          <a:xfrm>
+            <a:off x="6116278" y="2596836"/>
+            <a:ext cx="0" cy="3657600"/>
+          </a:xfrm>
+          <a:prstGeom prst="line">
+            <a:avLst/>
+          </a:prstGeom>
+          <a:ln w="101600" cmpd="dbl">
+            <a:solidFill>
+              <a:srgbClr val="595959"/>
+            </a:solidFill>
+          </a:ln>
+        </p:spPr>
+        <p:style>
+          <a:lnRef idx="1">
+            <a:schemeClr val="accent1"/>
+          </a:lnRef>
+          <a:fillRef idx="0">
+            <a:schemeClr val="accent1"/>
+          </a:fillRef>
+          <a:effectRef idx="0">
+            <a:schemeClr val="accent1"/>
+          </a:effectRef>
+          <a:fontRef idx="minor">
+            <a:schemeClr val="tx1"/>
+          </a:fontRef>
+        </p:style>
+      </p:cxnSp>
+      <p:pic>
+        <p:nvPicPr>
+          <p:cNvPr id="4" name="Picture 3">
+            <a:extLst>
+              <a:ext uri="{FF2B5EF4-FFF2-40B4-BE49-F238E27FC236}">
+                <a16:creationId xmlns:a16="http://schemas.microsoft.com/office/drawing/2014/main" id="{041C78C1-9818-4174-B6D5-8EB93A5ACF72}"/>
+              </a:ext>
+            </a:extLst>
+          </p:cNvPr>
+          <p:cNvPicPr>
+            <a:picLocks noChangeAspect="1"/>
+          </p:cNvPicPr>
+          <p:nvPr/>
+        </p:nvPicPr>
+        <p:blipFill>
+          <a:blip r:embed="rId3"/>
+          <a:stretch>
+            <a:fillRect/>
+          </a:stretch>
+        </p:blipFill>
+        <p:spPr>
+          <a:xfrm>
+            <a:off x="6445073" y="3300354"/>
+            <a:ext cx="5455917" cy="2250565"/>
+          </a:xfrm>
+          <a:prstGeom prst="rect">
+            <a:avLst/>
+          </a:prstGeom>
+        </p:spPr>
+      </p:pic>
+    </p:spTree>
+    <p:extLst>
+      <p:ext uri="{BB962C8B-B14F-4D97-AF65-F5344CB8AC3E}">
+        <p14:creationId xmlns:p14="http://schemas.microsoft.com/office/powerpoint/2010/main" val="4145196449"/>
+      </p:ext>
+    </p:extLst>
+  </p:cSld>
+  <p:clrMapOvr>
+    <a:masterClrMapping/>
+  </p:clrMapOvr>
+</p:sld>
+</file>
+
+<file path=ppt/slides/slide11.xml><?xml version="1.0" encoding="utf-8"?>
+<p:sld xmlns:a="http://schemas.openxmlformats.org/drawingml/2006/main" xmlns:r="http://schemas.openxmlformats.org/officeDocument/2006/relationships" xmlns:p="http://schemas.openxmlformats.org/presentationml/2006/main">
+  <p:cSld>
+    <p:spTree>
+      <p:nvGrpSpPr>
+        <p:cNvPr id="1" name=""/>
+        <p:cNvGrpSpPr/>
+        <p:nvPr/>
+      </p:nvGrpSpPr>
+      <p:grpSpPr>
+        <a:xfrm>
+          <a:off x="0" y="0"/>
+          <a:ext cx="0" cy="0"/>
+          <a:chOff x="0" y="0"/>
+          <a:chExt cx="0" cy="0"/>
+        </a:xfrm>
+      </p:grpSpPr>
+      <p:sp>
+        <p:nvSpPr>
+          <p:cNvPr id="2" name="Title 1">
+            <a:extLst>
+              <a:ext uri="{FF2B5EF4-FFF2-40B4-BE49-F238E27FC236}">
+                <a16:creationId xmlns:a16="http://schemas.microsoft.com/office/drawing/2014/main" id="{8D003711-7322-4FD2-9585-E1BD26AB1A28}"/>
+              </a:ext>
+            </a:extLst>
+          </p:cNvPr>
+          <p:cNvSpPr>
+            <a:spLocks noGrp="1"/>
+          </p:cNvSpPr>
+          <p:nvPr>
+            <p:ph type="title"/>
+          </p:nvPr>
+        </p:nvSpPr>
+        <p:spPr/>
+        <p:txBody>
+          <a:bodyPr/>
+          <a:lstStyle/>
+          <a:p>
+            <a:r>
+              <a:rPr lang="en-US" dirty="0"/>
+              <a:t>Results</a:t>
+            </a:r>
+          </a:p>
+        </p:txBody>
+      </p:sp>
+      <p:sp>
+        <p:nvSpPr>
+          <p:cNvPr id="3" name="Content Placeholder 2">
+            <a:extLst>
+              <a:ext uri="{FF2B5EF4-FFF2-40B4-BE49-F238E27FC236}">
+                <a16:creationId xmlns:a16="http://schemas.microsoft.com/office/drawing/2014/main" id="{E86998A7-EFE4-4B37-B3A8-D48E59A536E7}"/>
+              </a:ext>
+            </a:extLst>
+          </p:cNvPr>
+          <p:cNvSpPr>
+            <a:spLocks noGrp="1"/>
+          </p:cNvSpPr>
+          <p:nvPr>
+            <p:ph idx="1"/>
+          </p:nvPr>
+        </p:nvSpPr>
+        <p:spPr/>
+        <p:txBody>
+          <a:bodyPr/>
+          <a:lstStyle/>
+          <a:p>
+            <a:r>
+              <a:rPr lang="en-US" dirty="0"/>
+              <a:t>AUC and Accuracy of </a:t>
+            </a:r>
+            <a:r>
+              <a:rPr lang="en-US" dirty="0" err="1"/>
+              <a:t>Nerual</a:t>
+            </a:r>
+            <a:r>
+              <a:rPr lang="en-US" dirty="0"/>
+              <a:t> Network include confusion matrix and discuss what was added from this method </a:t>
+            </a:r>
+          </a:p>
+        </p:txBody>
+      </p:sp>
+    </p:spTree>
+    <p:extLst>
+      <p:ext uri="{BB962C8B-B14F-4D97-AF65-F5344CB8AC3E}">
+        <p14:creationId xmlns:p14="http://schemas.microsoft.com/office/powerpoint/2010/main" val="3280170980"/>
+      </p:ext>
+    </p:extLst>
+  </p:cSld>
+  <p:clrMapOvr>
+    <a:masterClrMapping/>
+  </p:clrMapOvr>
+</p:sld>
+</file>
+
+<file path=ppt/slides/slide12.xml><?xml version="1.0" encoding="utf-8"?>
+<p:sld xmlns:a="http://schemas.openxmlformats.org/drawingml/2006/main" xmlns:r="http://schemas.openxmlformats.org/officeDocument/2006/relationships" xmlns:p="http://schemas.openxmlformats.org/presentationml/2006/main">
+  <p:cSld>
+    <p:spTree>
+      <p:nvGrpSpPr>
+        <p:cNvPr id="1" name=""/>
+        <p:cNvGrpSpPr/>
+        <p:nvPr/>
+      </p:nvGrpSpPr>
+      <p:grpSpPr>
+        <a:xfrm>
+          <a:off x="0" y="0"/>
+          <a:ext cx="0" cy="0"/>
+          <a:chOff x="0" y="0"/>
+          <a:chExt cx="0" cy="0"/>
+        </a:xfrm>
+      </p:grpSpPr>
+      <p:sp>
+        <p:nvSpPr>
+          <p:cNvPr id="2" name="Title 1">
+            <a:extLst>
+              <a:ext uri="{FF2B5EF4-FFF2-40B4-BE49-F238E27FC236}">
+                <a16:creationId xmlns:a16="http://schemas.microsoft.com/office/drawing/2014/main" id="{098D48CF-7989-4C79-BAA1-925383F9D42F}"/>
+              </a:ext>
+            </a:extLst>
+          </p:cNvPr>
+          <p:cNvSpPr>
+            <a:spLocks noGrp="1"/>
+          </p:cNvSpPr>
+          <p:nvPr>
+            <p:ph type="title"/>
+          </p:nvPr>
+        </p:nvSpPr>
+        <p:spPr>
+          <a:xfrm>
+            <a:off x="838200" y="365125"/>
+            <a:ext cx="10515600" cy="1325563"/>
+          </a:xfrm>
+        </p:spPr>
+        <p:txBody>
+          <a:bodyPr/>
+          <a:lstStyle/>
+          <a:p>
+            <a:r>
+              <a:rPr lang="en-US" dirty="0"/>
+              <a:t>Conclusion</a:t>
+            </a:r>
+          </a:p>
+        </p:txBody>
+      </p:sp>
+      <p:sp>
+        <p:nvSpPr>
+          <p:cNvPr id="3" name="Content Placeholder 2">
+            <a:extLst>
+              <a:ext uri="{FF2B5EF4-FFF2-40B4-BE49-F238E27FC236}">
+                <a16:creationId xmlns:a16="http://schemas.microsoft.com/office/drawing/2014/main" id="{647DFB31-538C-48F5-A63F-CF5E896EB2BC}"/>
+              </a:ext>
+            </a:extLst>
+          </p:cNvPr>
+          <p:cNvSpPr>
+            <a:spLocks noGrp="1"/>
+          </p:cNvSpPr>
+          <p:nvPr>
+            <p:ph idx="1"/>
+          </p:nvPr>
+        </p:nvSpPr>
+        <p:spPr/>
+        <p:txBody>
+          <a:bodyPr/>
+          <a:lstStyle/>
+          <a:p>
+            <a:r>
+              <a:rPr lang="en-US" dirty="0" err="1"/>
+              <a:t>Adress</a:t>
+            </a:r>
+            <a:r>
+              <a:rPr lang="en-US" dirty="0"/>
+              <a:t> the two goals from the beginning</a:t>
+            </a:r>
+          </a:p>
+        </p:txBody>
+      </p:sp>
+    </p:spTree>
+    <p:extLst>
+      <p:ext uri="{BB962C8B-B14F-4D97-AF65-F5344CB8AC3E}">
+        <p14:creationId xmlns:p14="http://schemas.microsoft.com/office/powerpoint/2010/main" val="1613448475"/>
+      </p:ext>
+    </p:extLst>
+  </p:cSld>
+  <p:clrMapOvr>
+    <a:masterClrMapping/>
+  </p:clrMapOvr>
+</p:sld>
+</file>
+
 <file path=ppt/slides/slide2.xml><?xml version="1.0" encoding="utf-8"?>
 <p:sld xmlns:a="http://schemas.openxmlformats.org/drawingml/2006/main" xmlns:r="http://schemas.openxmlformats.org/officeDocument/2006/relationships" xmlns:p="http://schemas.openxmlformats.org/presentationml/2006/main">
   <p:cSld>
@@ -8414,6 +8933,177 @@
           <p:cNvPr id="2" name="Title 1">
             <a:extLst>
               <a:ext uri="{FF2B5EF4-FFF2-40B4-BE49-F238E27FC236}">
+                <a16:creationId xmlns:a16="http://schemas.microsoft.com/office/drawing/2014/main" id="{F1042BD9-BBCE-42D3-863E-9021D8B6A780}"/>
+              </a:ext>
+            </a:extLst>
+          </p:cNvPr>
+          <p:cNvSpPr>
+            <a:spLocks noGrp="1"/>
+          </p:cNvSpPr>
+          <p:nvPr>
+            <p:ph type="title"/>
+          </p:nvPr>
+        </p:nvSpPr>
+        <p:spPr>
+          <a:xfrm>
+            <a:off x="838199" y="287633"/>
+            <a:ext cx="10515600" cy="1325563"/>
+          </a:xfrm>
+        </p:spPr>
+        <p:txBody>
+          <a:bodyPr/>
+          <a:lstStyle/>
+          <a:p>
+            <a:pPr algn="ctr"/>
+            <a:r>
+              <a:rPr lang="en-US" dirty="0">
+                <a:latin typeface="Times New Roman" panose="02020603050405020304" pitchFamily="18" charset="0"/>
+                <a:cs typeface="Times New Roman" panose="02020603050405020304" pitchFamily="18" charset="0"/>
+              </a:rPr>
+              <a:t>The Data Science Process</a:t>
+            </a:r>
+          </a:p>
+        </p:txBody>
+      </p:sp>
+      <p:pic>
+        <p:nvPicPr>
+          <p:cNvPr id="4" name="Content Placeholder 3">
+            <a:extLst>
+              <a:ext uri="{FF2B5EF4-FFF2-40B4-BE49-F238E27FC236}">
+                <a16:creationId xmlns:a16="http://schemas.microsoft.com/office/drawing/2014/main" id="{0308FAA8-6765-4C19-9089-F0B65DE7D34E}"/>
+              </a:ext>
+            </a:extLst>
+          </p:cNvPr>
+          <p:cNvPicPr>
+            <a:picLocks noGrp="1" noChangeAspect="1"/>
+          </p:cNvPicPr>
+          <p:nvPr>
+            <p:ph idx="1"/>
+          </p:nvPr>
+        </p:nvPicPr>
+        <p:blipFill rotWithShape="1">
+          <a:blip r:embed="rId2"/>
+          <a:srcRect t="8579"/>
+          <a:stretch/>
+        </p:blipFill>
+        <p:spPr>
+          <a:xfrm>
+            <a:off x="2213674" y="1424473"/>
+            <a:ext cx="7764651" cy="5295543"/>
+          </a:xfrm>
+          <a:prstGeom prst="rect">
+            <a:avLst/>
+          </a:prstGeom>
+        </p:spPr>
+      </p:pic>
+    </p:spTree>
+    <p:extLst>
+      <p:ext uri="{BB962C8B-B14F-4D97-AF65-F5344CB8AC3E}">
+        <p14:creationId xmlns:p14="http://schemas.microsoft.com/office/powerpoint/2010/main" val="350858261"/>
+      </p:ext>
+    </p:extLst>
+  </p:cSld>
+  <p:clrMapOvr>
+    <a:masterClrMapping/>
+  </p:clrMapOvr>
+</p:sld>
+</file>
+
+<file path=ppt/slides/slide3.xml><?xml version="1.0" encoding="utf-8"?>
+<p:sld xmlns:a="http://schemas.openxmlformats.org/drawingml/2006/main" xmlns:r="http://schemas.openxmlformats.org/officeDocument/2006/relationships" xmlns:p="http://schemas.openxmlformats.org/presentationml/2006/main">
+  <p:cSld>
+    <p:bg>
+      <p:bgPr>
+        <a:solidFill>
+          <a:schemeClr val="bg1"/>
+        </a:solidFill>
+        <a:effectLst/>
+      </p:bgPr>
+    </p:bg>
+    <p:spTree>
+      <p:nvGrpSpPr>
+        <p:cNvPr id="1" name=""/>
+        <p:cNvGrpSpPr/>
+        <p:nvPr/>
+      </p:nvGrpSpPr>
+      <p:grpSpPr>
+        <a:xfrm>
+          <a:off x="0" y="0"/>
+          <a:ext cx="0" cy="0"/>
+          <a:chOff x="0" y="0"/>
+          <a:chExt cx="0" cy="0"/>
+        </a:xfrm>
+      </p:grpSpPr>
+      <p:sp>
+        <p:nvSpPr>
+          <p:cNvPr id="8" name="Rectangle 7">
+            <a:extLst>
+              <a:ext uri="{FF2B5EF4-FFF2-40B4-BE49-F238E27FC236}">
+                <a16:creationId xmlns:a16="http://schemas.microsoft.com/office/drawing/2014/main" id="{8D70B121-56F4-4848-B38B-182089D909FA}"/>
+              </a:ext>
+              <a:ext uri="{C183D7F6-B498-43B3-948B-1728B52AA6E4}">
+                <adec:decorative xmlns:adec="http://schemas.microsoft.com/office/drawing/2017/decorative" val="1"/>
+              </a:ext>
+            </a:extLst>
+          </p:cNvPr>
+          <p:cNvSpPr>
+            <a:spLocks noGrp="1" noRot="1" noChangeAspect="1" noMove="1" noResize="1" noEditPoints="1" noAdjustHandles="1" noChangeArrowheads="1" noChangeShapeType="1" noTextEdit="1"/>
+          </p:cNvSpPr>
+          <p:nvPr>
+            <p:extLst>
+              <p:ext uri="{386F3935-93C4-4BCD-93E2-E3B085C9AB24}">
+                <p16:designElem xmlns:p16="http://schemas.microsoft.com/office/powerpoint/2015/main" val="1"/>
+              </p:ext>
+            </p:extLst>
+          </p:nvPr>
+        </p:nvSpPr>
+        <p:spPr bwMode="ltGray">
+          <a:xfrm>
+            <a:off x="321564" y="320040"/>
+            <a:ext cx="11548872" cy="6217920"/>
+          </a:xfrm>
+          <a:prstGeom prst="rect">
+            <a:avLst/>
+          </a:prstGeom>
+          <a:solidFill>
+            <a:schemeClr val="tx1">
+              <a:alpha val="8000"/>
+            </a:schemeClr>
+          </a:solidFill>
+          <a:ln w="127000" cap="sq" cmpd="thinThick">
+            <a:noFill/>
+          </a:ln>
+        </p:spPr>
+        <p:style>
+          <a:lnRef idx="2">
+            <a:schemeClr val="accent1">
+              <a:shade val="50000"/>
+            </a:schemeClr>
+          </a:lnRef>
+          <a:fillRef idx="1">
+            <a:schemeClr val="accent1"/>
+          </a:fillRef>
+          <a:effectRef idx="0">
+            <a:schemeClr val="accent1"/>
+          </a:effectRef>
+          <a:fontRef idx="minor">
+            <a:schemeClr val="lt1"/>
+          </a:fontRef>
+        </p:style>
+        <p:txBody>
+          <a:bodyPr rtlCol="0" anchor="ctr"/>
+          <a:lstStyle/>
+          <a:p>
+            <a:pPr algn="ctr"/>
+            <a:endParaRPr lang="en-US"/>
+          </a:p>
+        </p:txBody>
+      </p:sp>
+      <p:sp>
+        <p:nvSpPr>
+          <p:cNvPr id="2" name="Title 1">
+            <a:extLst>
+              <a:ext uri="{FF2B5EF4-FFF2-40B4-BE49-F238E27FC236}">
                 <a16:creationId xmlns:a16="http://schemas.microsoft.com/office/drawing/2014/main" id="{0EEE3E4D-EA03-4E43-A177-13820E92D5DC}"/>
               </a:ext>
             </a:extLst>
@@ -8425,18 +9115,84 @@
             <p:ph type="title"/>
           </p:nvPr>
         </p:nvSpPr>
-        <p:spPr/>
+        <p:spPr>
+          <a:xfrm>
+            <a:off x="838200" y="963877"/>
+            <a:ext cx="3494362" cy="4930246"/>
+          </a:xfrm>
+        </p:spPr>
         <p:txBody>
-          <a:bodyPr/>
+          <a:bodyPr>
+            <a:normAutofit/>
+          </a:bodyPr>
           <a:lstStyle/>
           <a:p>
+            <a:pPr algn="r"/>
             <a:r>
-              <a:rPr lang="en-US" dirty="0"/>
-              <a:t>Introduction</a:t>
+              <a:rPr lang="en-US" dirty="0">
+                <a:latin typeface="Times New Roman" panose="02020603050405020304" pitchFamily="18" charset="0"/>
+                <a:cs typeface="Times New Roman" panose="02020603050405020304" pitchFamily="18" charset="0"/>
+              </a:rPr>
+              <a:t>Outline</a:t>
             </a:r>
           </a:p>
         </p:txBody>
       </p:sp>
+      <p:cxnSp>
+        <p:nvCxnSpPr>
+          <p:cNvPr id="10" name="Straight Connector 9">
+            <a:extLst>
+              <a:ext uri="{FF2B5EF4-FFF2-40B4-BE49-F238E27FC236}">
+                <a16:creationId xmlns:a16="http://schemas.microsoft.com/office/drawing/2014/main" id="{2D72A2C9-F3CA-4216-8BAD-FA4C970C3C4E}"/>
+              </a:ext>
+              <a:ext uri="{C183D7F6-B498-43B3-948B-1728B52AA6E4}">
+                <adec:decorative xmlns:adec="http://schemas.microsoft.com/office/drawing/2017/decorative" val="1"/>
+              </a:ext>
+            </a:extLst>
+          </p:cNvPr>
+          <p:cNvCxnSpPr>
+            <a:cxnSpLocks noGrp="1" noRot="1" noChangeAspect="1" noMove="1" noResize="1" noEditPoints="1" noAdjustHandles="1" noChangeArrowheads="1" noChangeShapeType="1"/>
+          </p:cNvCxnSpPr>
+          <p:nvPr>
+            <p:extLst>
+              <p:ext uri="{386F3935-93C4-4BCD-93E2-E3B085C9AB24}">
+                <p16:designElem xmlns:p16="http://schemas.microsoft.com/office/powerpoint/2015/main" val="1"/>
+              </p:ext>
+            </p:extLst>
+          </p:nvPr>
+        </p:nvCxnSpPr>
+        <p:spPr>
+          <a:xfrm>
+            <a:off x="4654296" y="2057400"/>
+            <a:ext cx="0" cy="2743200"/>
+          </a:xfrm>
+          <a:prstGeom prst="line">
+            <a:avLst/>
+          </a:prstGeom>
+          <a:ln w="19050">
+            <a:solidFill>
+              <a:schemeClr val="tx1">
+                <a:lumMod val="85000"/>
+                <a:lumOff val="15000"/>
+              </a:schemeClr>
+            </a:solidFill>
+          </a:ln>
+        </p:spPr>
+        <p:style>
+          <a:lnRef idx="1">
+            <a:schemeClr val="accent1"/>
+          </a:lnRef>
+          <a:fillRef idx="0">
+            <a:schemeClr val="accent1"/>
+          </a:fillRef>
+          <a:effectRef idx="0">
+            <a:schemeClr val="accent1"/>
+          </a:effectRef>
+          <a:fontRef idx="minor">
+            <a:schemeClr val="tx1"/>
+          </a:fontRef>
+        </p:style>
+      </p:cxnSp>
       <p:sp>
         <p:nvSpPr>
           <p:cNvPr id="3" name="Content Placeholder 2">
@@ -8453,30 +9209,82 @@
             <p:ph idx="1"/>
           </p:nvPr>
         </p:nvSpPr>
-        <p:spPr/>
+        <p:spPr>
+          <a:xfrm>
+            <a:off x="4976031" y="963877"/>
+            <a:ext cx="6377769" cy="4930246"/>
+          </a:xfrm>
+        </p:spPr>
         <p:txBody>
-          <a:bodyPr/>
+          <a:bodyPr anchor="ctr">
+            <a:normAutofit/>
+          </a:bodyPr>
           <a:lstStyle/>
           <a:p>
             <a:r>
-              <a:rPr lang="en-US" dirty="0"/>
+              <a:rPr lang="en-US" sz="3200" dirty="0">
+                <a:latin typeface="Times New Roman" panose="02020603050405020304" pitchFamily="18" charset="0"/>
+                <a:cs typeface="Times New Roman" panose="02020603050405020304" pitchFamily="18" charset="0"/>
+              </a:rPr>
               <a:t>What is Diabetes Mellitus?</a:t>
             </a:r>
           </a:p>
           <a:p>
             <a:r>
-              <a:rPr lang="en-US" dirty="0"/>
+              <a:rPr lang="en-US" sz="3200" dirty="0">
+                <a:latin typeface="Times New Roman" panose="02020603050405020304" pitchFamily="18" charset="0"/>
+                <a:cs typeface="Times New Roman" panose="02020603050405020304" pitchFamily="18" charset="0"/>
+              </a:rPr>
               <a:t>Objectives</a:t>
             </a:r>
           </a:p>
           <a:p>
             <a:r>
-              <a:rPr lang="en-US" dirty="0"/>
-              <a:t>Data Exploration</a:t>
+              <a:rPr lang="en-US" sz="3200" dirty="0">
+                <a:latin typeface="Times New Roman" panose="02020603050405020304" pitchFamily="18" charset="0"/>
+                <a:cs typeface="Times New Roman" panose="02020603050405020304" pitchFamily="18" charset="0"/>
+              </a:rPr>
+              <a:t>Data Mining</a:t>
             </a:r>
           </a:p>
           <a:p>
-            <a:endParaRPr lang="en-US" dirty="0"/>
+            <a:r>
+              <a:rPr lang="en-US" sz="3200" dirty="0">
+                <a:latin typeface="Times New Roman" panose="02020603050405020304" pitchFamily="18" charset="0"/>
+                <a:cs typeface="Times New Roman" panose="02020603050405020304" pitchFamily="18" charset="0"/>
+              </a:rPr>
+              <a:t>Feature Exploration</a:t>
+            </a:r>
+          </a:p>
+          <a:p>
+            <a:r>
+              <a:rPr lang="en-US" sz="3200" dirty="0">
+                <a:latin typeface="Times New Roman" panose="02020603050405020304" pitchFamily="18" charset="0"/>
+                <a:cs typeface="Times New Roman" panose="02020603050405020304" pitchFamily="18" charset="0"/>
+              </a:rPr>
+              <a:t>Neural Network</a:t>
+            </a:r>
+          </a:p>
+          <a:p>
+            <a:r>
+              <a:rPr lang="en-US" sz="3200" dirty="0">
+                <a:latin typeface="Times New Roman" panose="02020603050405020304" pitchFamily="18" charset="0"/>
+                <a:cs typeface="Times New Roman" panose="02020603050405020304" pitchFamily="18" charset="0"/>
+              </a:rPr>
+              <a:t>Results </a:t>
+            </a:r>
+          </a:p>
+          <a:p>
+            <a:r>
+              <a:rPr lang="en-US" sz="3200" dirty="0">
+                <a:latin typeface="Times New Roman" panose="02020603050405020304" pitchFamily="18" charset="0"/>
+                <a:cs typeface="Times New Roman" panose="02020603050405020304" pitchFamily="18" charset="0"/>
+              </a:rPr>
+              <a:t>Conclusion/Discussion</a:t>
+            </a:r>
+          </a:p>
+          <a:p>
+            <a:endParaRPr lang="en-US" sz="2400" dirty="0"/>
           </a:p>
         </p:txBody>
       </p:sp>
@@ -8493,7 +9301,7 @@
 </p:sld>
 </file>
 
-<file path=ppt/slides/slide3.xml><?xml version="1.0" encoding="utf-8"?>
+<file path=ppt/slides/slide4.xml><?xml version="1.0" encoding="utf-8"?>
 <p:sld xmlns:a="http://schemas.openxmlformats.org/drawingml/2006/main" xmlns:r="http://schemas.openxmlformats.org/officeDocument/2006/relationships" xmlns:p="http://schemas.openxmlformats.org/presentationml/2006/main">
   <p:cSld>
     <p:bg>
@@ -8778,21 +9586,21 @@
         </p:spPr>
         <p:txBody>
           <a:bodyPr>
-            <a:normAutofit/>
+            <a:normAutofit lnSpcReduction="10000"/>
           </a:bodyPr>
           <a:lstStyle/>
           <a:p>
             <a:r>
-              <a:rPr lang="en-US" dirty="0">
+              <a:rPr lang="en-US" sz="3200" dirty="0">
                 <a:latin typeface="Times New Roman" panose="02020603050405020304" pitchFamily="18" charset="0"/>
                 <a:cs typeface="Times New Roman" panose="02020603050405020304" pitchFamily="18" charset="0"/>
               </a:rPr>
-              <a:t>A disease which results in the complications producing insulin</a:t>
+              <a:t>A disease where complications arise in  producing and using insulin</a:t>
             </a:r>
           </a:p>
           <a:p>
             <a:r>
-              <a:rPr lang="en-US" dirty="0">
+              <a:rPr lang="en-US" sz="3200" dirty="0">
                 <a:latin typeface="Times New Roman" panose="02020603050405020304" pitchFamily="18" charset="0"/>
                 <a:cs typeface="Times New Roman" panose="02020603050405020304" pitchFamily="18" charset="0"/>
               </a:rPr>
@@ -8801,7 +9609,7 @@
           </a:p>
           <a:p>
             <a:r>
-              <a:rPr lang="en-US" dirty="0">
+              <a:rPr lang="en-US" sz="3200" dirty="0">
                 <a:latin typeface="Times New Roman" panose="02020603050405020304" pitchFamily="18" charset="0"/>
                 <a:cs typeface="Times New Roman" panose="02020603050405020304" pitchFamily="18" charset="0"/>
               </a:rPr>
@@ -8811,7 +9619,7 @@
           <a:p>
             <a:pPr lvl="1"/>
             <a:r>
-              <a:rPr lang="en-US" sz="2800" dirty="0">
+              <a:rPr lang="en-US" sz="3200" dirty="0">
                 <a:latin typeface="Times New Roman" panose="02020603050405020304" pitchFamily="18" charset="0"/>
                 <a:cs typeface="Times New Roman" panose="02020603050405020304" pitchFamily="18" charset="0"/>
               </a:rPr>
@@ -8821,7 +9629,7 @@
           <a:p>
             <a:pPr lvl="1"/>
             <a:r>
-              <a:rPr lang="en-US" sz="2800" dirty="0">
+              <a:rPr lang="en-US" sz="3200" dirty="0">
                 <a:latin typeface="Times New Roman" panose="02020603050405020304" pitchFamily="18" charset="0"/>
                 <a:cs typeface="Times New Roman" panose="02020603050405020304" pitchFamily="18" charset="0"/>
               </a:rPr>
@@ -8831,7 +9639,7 @@
           <a:p>
             <a:pPr lvl="1"/>
             <a:r>
-              <a:rPr lang="en-US" sz="2800" dirty="0">
+              <a:rPr lang="en-US" sz="3200" dirty="0">
                 <a:latin typeface="Times New Roman" panose="02020603050405020304" pitchFamily="18" charset="0"/>
                 <a:cs typeface="Times New Roman" panose="02020603050405020304" pitchFamily="18" charset="0"/>
               </a:rPr>
@@ -8979,7 +9787,7 @@
 </p:sld>
 </file>
 
-<file path=ppt/slides/slide4.xml><?xml version="1.0" encoding="utf-8"?>
+<file path=ppt/slides/slide5.xml><?xml version="1.0" encoding="utf-8"?>
 <p:sld xmlns:a="http://schemas.openxmlformats.org/drawingml/2006/main" xmlns:r="http://schemas.openxmlformats.org/officeDocument/2006/relationships" xmlns:p="http://schemas.openxmlformats.org/presentationml/2006/main">
   <p:cSld>
     <p:bg>
@@ -9327,7 +10135,7 @@
 </p:sld>
 </file>
 
-<file path=ppt/slides/slide5.xml><?xml version="1.0" encoding="utf-8"?>
+<file path=ppt/slides/slide6.xml><?xml version="1.0" encoding="utf-8"?>
 <p:sld xmlns:a="http://schemas.openxmlformats.org/drawingml/2006/main" xmlns:r="http://schemas.openxmlformats.org/officeDocument/2006/relationships" xmlns:p="http://schemas.openxmlformats.org/presentationml/2006/main">
   <p:cSld>
     <p:spTree>
@@ -9367,7 +10175,7 @@
           <a:p>
             <a:r>
               <a:rPr lang="en-US" dirty="0"/>
-              <a:t>Data Exploration and Visualization</a:t>
+              <a:t>Data Mining and Visualization</a:t>
             </a:r>
           </a:p>
         </p:txBody>
@@ -9418,20 +10226,20 @@
           <p:nvPr>
             <p:extLst>
               <p:ext uri="{D42A27DB-BD31-4B8C-83A1-F6EECF244321}">
-                <p14:modId xmlns:p14="http://schemas.microsoft.com/office/powerpoint/2010/main" val="1479068379"/>
+                <p14:modId xmlns:p14="http://schemas.microsoft.com/office/powerpoint/2010/main" val="3714113435"/>
               </p:ext>
             </p:extLst>
           </p:nvPr>
         </p:nvGraphicFramePr>
         <p:xfrm>
-          <a:off x="6734296" y="5480876"/>
+          <a:off x="8355338" y="4924130"/>
           <a:ext cx="1629855" cy="497767"/>
         </p:xfrm>
         <a:graphic>
           <a:graphicData uri="http://schemas.openxmlformats.org/presentationml/2006/ole">
             <mc:AlternateContent xmlns:mc="http://schemas.openxmlformats.org/markup-compatibility/2006">
               <mc:Choice xmlns:v="urn:schemas-microsoft-com:vml" Requires="v">
-                <p:oleObj spid="_x0000_s1030" name="Packager Shell Object" showAsIcon="1" r:id="rId8" imgW="1762200" imgH="538200" progId="Package">
+                <p:oleObj spid="_x0000_s1038" name="Packager Shell Object" showAsIcon="1" r:id="rId8" imgW="1762200" imgH="538200" progId="Package">
                   <p:embed/>
                 </p:oleObj>
               </mc:Choice>
@@ -9452,7 +10260,7 @@
                     </p:blipFill>
                     <p:spPr>
                       <a:xfrm>
-                        <a:off x="6734296" y="5480876"/>
+                        <a:off x="8355338" y="4924130"/>
                         <a:ext cx="1629855" cy="497767"/>
                       </a:xfrm>
                       <a:prstGeom prst="rect">
@@ -9484,20 +10292,20 @@
           <p:nvPr>
             <p:extLst>
               <p:ext uri="{D42A27DB-BD31-4B8C-83A1-F6EECF244321}">
-                <p14:modId xmlns:p14="http://schemas.microsoft.com/office/powerpoint/2010/main" val="280653742"/>
+                <p14:modId xmlns:p14="http://schemas.microsoft.com/office/powerpoint/2010/main" val="1352327695"/>
               </p:ext>
             </p:extLst>
           </p:nvPr>
         </p:nvGraphicFramePr>
         <p:xfrm>
-          <a:off x="6714511" y="4666759"/>
-          <a:ext cx="1621042" cy="497766"/>
+          <a:off x="8364538" y="4168775"/>
+          <a:ext cx="1620837" cy="498475"/>
         </p:xfrm>
         <a:graphic>
           <a:graphicData uri="http://schemas.openxmlformats.org/presentationml/2006/ole">
             <mc:AlternateContent xmlns:mc="http://schemas.openxmlformats.org/markup-compatibility/2006">
               <mc:Choice xmlns:v="urn:schemas-microsoft-com:vml" Requires="v">
-                <p:oleObj spid="_x0000_s1031" name="Packager Shell Object" showAsIcon="1" r:id="rId10" imgW="1752480" imgH="538200" progId="Package">
+                <p:oleObj spid="_x0000_s1039" name="Packager Shell Object" showAsIcon="1" r:id="rId10" imgW="1752480" imgH="538200" progId="Package">
                   <p:embed/>
                 </p:oleObj>
               </mc:Choice>
@@ -9518,8 +10326,8 @@
                     </p:blipFill>
                     <p:spPr>
                       <a:xfrm>
-                        <a:off x="6714511" y="4666759"/>
-                        <a:ext cx="1621042" cy="497766"/>
+                        <a:off x="8364538" y="4168775"/>
+                        <a:ext cx="1620837" cy="498475"/>
                       </a:xfrm>
                       <a:prstGeom prst="rect">
                         <a:avLst/>
@@ -9557,7 +10365,7 @@
         </p:blipFill>
         <p:spPr>
           <a:xfrm>
-            <a:off x="1550791" y="4169066"/>
+            <a:off x="2591584" y="4169066"/>
             <a:ext cx="3504416" cy="1895832"/>
           </a:xfrm>
           <a:prstGeom prst="rect">
@@ -9667,33 +10475,15 @@
                                   </p:childTnLst>
                                 </p:cTn>
                               </p:par>
-                            </p:childTnLst>
-                          </p:cTn>
-                        </p:par>
-                      </p:childTnLst>
-                    </p:cTn>
-                  </p:par>
-                  <p:par>
-                    <p:cTn id="11" fill="hold">
-                      <p:stCondLst>
-                        <p:cond delay="indefinite"/>
-                      </p:stCondLst>
-                      <p:childTnLst>
-                        <p:par>
-                          <p:cTn id="12" fill="hold">
-                            <p:stCondLst>
-                              <p:cond delay="0"/>
-                            </p:stCondLst>
-                            <p:childTnLst>
                               <p:par>
-                                <p:cTn id="13" presetID="1" presetClass="entr" presetSubtype="0" fill="hold" nodeType="clickEffect">
+                                <p:cTn id="11" presetID="1" presetClass="entr" presetSubtype="0" fill="hold" nodeType="withEffect">
                                   <p:stCondLst>
                                     <p:cond delay="0"/>
                                   </p:stCondLst>
                                   <p:childTnLst>
                                     <p:set>
                                       <p:cBhvr>
-                                        <p:cTn id="14" dur="1" fill="hold">
+                                        <p:cTn id="12" dur="1" fill="hold">
                                           <p:stCondLst>
                                             <p:cond delay="0"/>
                                           </p:stCondLst>
@@ -9743,7 +10533,7 @@
 </p:sld>
 </file>
 
-<file path=ppt/slides/slide6.xml><?xml version="1.0" encoding="utf-8"?>
+<file path=ppt/slides/slide7.xml><?xml version="1.0" encoding="utf-8"?>
 <p:sld xmlns:a="http://schemas.openxmlformats.org/drawingml/2006/main" xmlns:r="http://schemas.openxmlformats.org/officeDocument/2006/relationships" xmlns:p="http://schemas.openxmlformats.org/presentationml/2006/main">
   <p:cSld>
     <p:spTree>
@@ -9778,7 +10568,7 @@
         </p:nvSpPr>
         <p:spPr>
           <a:xfrm>
-            <a:off x="8721227" y="-390654"/>
+            <a:off x="8721227" y="365125"/>
             <a:ext cx="3273778" cy="2705453"/>
           </a:xfrm>
         </p:spPr>
@@ -9789,9 +10579,17 @@
           <a:lstStyle/>
           <a:p>
             <a:r>
-              <a:rPr lang="en-US" sz="3600" dirty="0"/>
+              <a:rPr lang="en-US" sz="3600" u="sng" dirty="0"/>
               <a:t>Glucose Measurement Distribution</a:t>
             </a:r>
+            <a:br>
+              <a:rPr lang="en-US" sz="3600" u="sng" dirty="0"/>
+            </a:br>
+            <a:r>
+              <a:rPr lang="en-US" sz="2800" dirty="0"/>
+              <a:t>Feature Reduction</a:t>
+            </a:r>
+            <a:endParaRPr lang="en-US" sz="3600" dirty="0"/>
           </a:p>
         </p:txBody>
       </p:sp>
@@ -9819,7 +10617,7 @@
         </p:blipFill>
         <p:spPr>
           <a:xfrm>
-            <a:off x="7976731" y="3385218"/>
+            <a:off x="8308425" y="3385218"/>
             <a:ext cx="3460603" cy="3107657"/>
           </a:xfrm>
           <a:prstGeom prst="rect">
@@ -9879,7 +10677,7 @@
         </p:nvSpPr>
         <p:spPr>
           <a:xfrm>
-            <a:off x="3601726" y="4985548"/>
+            <a:off x="3323820" y="4389650"/>
             <a:ext cx="4375005" cy="1692518"/>
           </a:xfrm>
           <a:prstGeom prst="rect">
@@ -9911,8 +10709,15 @@
           </a:lstStyle>
           <a:p>
             <a:r>
-              <a:rPr lang="en-US" sz="3600" dirty="0"/>
+              <a:rPr lang="en-US" sz="3600" u="sng" dirty="0"/>
               <a:t>Outcome Distribution</a:t>
+            </a:r>
+            <a:endParaRPr lang="en-US" sz="2800" dirty="0"/>
+          </a:p>
+          <a:p>
+            <a:r>
+              <a:rPr lang="en-US" sz="2800" dirty="0"/>
+              <a:t>Oversampling</a:t>
             </a:r>
           </a:p>
         </p:txBody>
@@ -9921,6 +10726,668 @@
     <p:extLst>
       <p:ext uri="{BB962C8B-B14F-4D97-AF65-F5344CB8AC3E}">
         <p14:creationId xmlns:p14="http://schemas.microsoft.com/office/powerpoint/2010/main" val="2021616319"/>
+      </p:ext>
+    </p:extLst>
+  </p:cSld>
+  <p:clrMapOvr>
+    <a:masterClrMapping/>
+  </p:clrMapOvr>
+  <p:timing>
+    <p:tnLst>
+      <p:par>
+        <p:cTn id="1" dur="indefinite" restart="never" nodeType="tmRoot">
+          <p:childTnLst>
+            <p:seq concurrent="1" nextAc="seek">
+              <p:cTn id="2" dur="indefinite" nodeType="mainSeq">
+                <p:childTnLst>
+                  <p:par>
+                    <p:cTn id="3" fill="hold">
+                      <p:stCondLst>
+                        <p:cond delay="indefinite"/>
+                      </p:stCondLst>
+                      <p:childTnLst>
+                        <p:par>
+                          <p:cTn id="4" fill="hold">
+                            <p:stCondLst>
+                              <p:cond delay="0"/>
+                            </p:stCondLst>
+                            <p:childTnLst>
+                              <p:par>
+                                <p:cTn id="5" presetID="1" presetClass="entr" presetSubtype="0" fill="hold" nodeType="clickEffect">
+                                  <p:stCondLst>
+                                    <p:cond delay="0"/>
+                                  </p:stCondLst>
+                                  <p:childTnLst>
+                                    <p:set>
+                                      <p:cBhvr>
+                                        <p:cTn id="6" dur="1" fill="hold">
+                                          <p:stCondLst>
+                                            <p:cond delay="0"/>
+                                          </p:stCondLst>
+                                        </p:cTn>
+                                        <p:tgtEl>
+                                          <p:spTgt spid="6"/>
+                                        </p:tgtEl>
+                                        <p:attrNameLst>
+                                          <p:attrName>style.visibility</p:attrName>
+                                        </p:attrNameLst>
+                                      </p:cBhvr>
+                                      <p:to>
+                                        <p:strVal val="visible"/>
+                                      </p:to>
+                                    </p:set>
+                                  </p:childTnLst>
+                                </p:cTn>
+                              </p:par>
+                              <p:par>
+                                <p:cTn id="7" presetID="1" presetClass="entr" presetSubtype="0" fill="hold" grpId="0" nodeType="withEffect">
+                                  <p:stCondLst>
+                                    <p:cond delay="0"/>
+                                  </p:stCondLst>
+                                  <p:childTnLst>
+                                    <p:set>
+                                      <p:cBhvr>
+                                        <p:cTn id="8" dur="1" fill="hold">
+                                          <p:stCondLst>
+                                            <p:cond delay="0"/>
+                                          </p:stCondLst>
+                                        </p:cTn>
+                                        <p:tgtEl>
+                                          <p:spTgt spid="2"/>
+                                        </p:tgtEl>
+                                        <p:attrNameLst>
+                                          <p:attrName>style.visibility</p:attrName>
+                                        </p:attrNameLst>
+                                      </p:cBhvr>
+                                      <p:to>
+                                        <p:strVal val="visible"/>
+                                      </p:to>
+                                    </p:set>
+                                  </p:childTnLst>
+                                </p:cTn>
+                              </p:par>
+                            </p:childTnLst>
+                          </p:cTn>
+                        </p:par>
+                      </p:childTnLst>
+                    </p:cTn>
+                  </p:par>
+                  <p:par>
+                    <p:cTn id="9" fill="hold">
+                      <p:stCondLst>
+                        <p:cond delay="indefinite"/>
+                      </p:stCondLst>
+                      <p:childTnLst>
+                        <p:par>
+                          <p:cTn id="10" fill="hold">
+                            <p:stCondLst>
+                              <p:cond delay="0"/>
+                            </p:stCondLst>
+                            <p:childTnLst>
+                              <p:par>
+                                <p:cTn id="11" presetID="1" presetClass="entr" presetSubtype="0" fill="hold" nodeType="clickEffect">
+                                  <p:stCondLst>
+                                    <p:cond delay="0"/>
+                                  </p:stCondLst>
+                                  <p:childTnLst>
+                                    <p:set>
+                                      <p:cBhvr>
+                                        <p:cTn id="12" dur="1" fill="hold">
+                                          <p:stCondLst>
+                                            <p:cond delay="0"/>
+                                          </p:stCondLst>
+                                        </p:cTn>
+                                        <p:tgtEl>
+                                          <p:spTgt spid="4"/>
+                                        </p:tgtEl>
+                                        <p:attrNameLst>
+                                          <p:attrName>style.visibility</p:attrName>
+                                        </p:attrNameLst>
+                                      </p:cBhvr>
+                                      <p:to>
+                                        <p:strVal val="visible"/>
+                                      </p:to>
+                                    </p:set>
+                                  </p:childTnLst>
+                                </p:cTn>
+                              </p:par>
+                              <p:par>
+                                <p:cTn id="13" presetID="1" presetClass="entr" presetSubtype="0" fill="hold" grpId="0" nodeType="withEffect">
+                                  <p:stCondLst>
+                                    <p:cond delay="0"/>
+                                  </p:stCondLst>
+                                  <p:childTnLst>
+                                    <p:set>
+                                      <p:cBhvr>
+                                        <p:cTn id="14" dur="1" fill="hold">
+                                          <p:stCondLst>
+                                            <p:cond delay="0"/>
+                                          </p:stCondLst>
+                                        </p:cTn>
+                                        <p:tgtEl>
+                                          <p:spTgt spid="7"/>
+                                        </p:tgtEl>
+                                        <p:attrNameLst>
+                                          <p:attrName>style.visibility</p:attrName>
+                                        </p:attrNameLst>
+                                      </p:cBhvr>
+                                      <p:to>
+                                        <p:strVal val="visible"/>
+                                      </p:to>
+                                    </p:set>
+                                  </p:childTnLst>
+                                </p:cTn>
+                              </p:par>
+                            </p:childTnLst>
+                          </p:cTn>
+                        </p:par>
+                      </p:childTnLst>
+                    </p:cTn>
+                  </p:par>
+                </p:childTnLst>
+              </p:cTn>
+              <p:prevCondLst>
+                <p:cond evt="onPrev" delay="0">
+                  <p:tgtEl>
+                    <p:sldTgt/>
+                  </p:tgtEl>
+                </p:cond>
+              </p:prevCondLst>
+              <p:nextCondLst>
+                <p:cond evt="onNext" delay="0">
+                  <p:tgtEl>
+                    <p:sldTgt/>
+                  </p:tgtEl>
+                </p:cond>
+              </p:nextCondLst>
+            </p:seq>
+          </p:childTnLst>
+        </p:cTn>
+      </p:par>
+    </p:tnLst>
+    <p:bldLst>
+      <p:bldP spid="2" grpId="0"/>
+      <p:bldP spid="7" grpId="0"/>
+    </p:bldLst>
+  </p:timing>
+</p:sld>
+</file>
+
+<file path=ppt/slides/slide8.xml><?xml version="1.0" encoding="utf-8"?>
+<p:sld xmlns:a="http://schemas.openxmlformats.org/drawingml/2006/main" xmlns:r="http://schemas.openxmlformats.org/officeDocument/2006/relationships" xmlns:p="http://schemas.openxmlformats.org/presentationml/2006/main">
+  <p:cSld>
+    <p:spTree>
+      <p:nvGrpSpPr>
+        <p:cNvPr id="1" name=""/>
+        <p:cNvGrpSpPr/>
+        <p:nvPr/>
+      </p:nvGrpSpPr>
+      <p:grpSpPr>
+        <a:xfrm>
+          <a:off x="0" y="0"/>
+          <a:ext cx="0" cy="0"/>
+          <a:chOff x="0" y="0"/>
+          <a:chExt cx="0" cy="0"/>
+        </a:xfrm>
+      </p:grpSpPr>
+      <p:sp>
+        <p:nvSpPr>
+          <p:cNvPr id="2" name="Title 1">
+            <a:extLst>
+              <a:ext uri="{FF2B5EF4-FFF2-40B4-BE49-F238E27FC236}">
+                <a16:creationId xmlns:a16="http://schemas.microsoft.com/office/drawing/2014/main" id="{05DC065D-BF54-45FE-AEC0-656E76843CCB}"/>
+              </a:ext>
+            </a:extLst>
+          </p:cNvPr>
+          <p:cNvSpPr>
+            <a:spLocks noGrp="1"/>
+          </p:cNvSpPr>
+          <p:nvPr>
+            <p:ph type="title"/>
+          </p:nvPr>
+        </p:nvSpPr>
+        <p:spPr/>
+        <p:txBody>
+          <a:bodyPr/>
+          <a:lstStyle/>
+          <a:p>
+            <a:r>
+              <a:rPr lang="en-US" dirty="0"/>
+              <a:t>Feature Exploration</a:t>
+            </a:r>
+          </a:p>
+        </p:txBody>
+      </p:sp>
+      <p:pic>
+        <p:nvPicPr>
+          <p:cNvPr id="9" name="Picture 8">
+            <a:extLst>
+              <a:ext uri="{FF2B5EF4-FFF2-40B4-BE49-F238E27FC236}">
+                <a16:creationId xmlns:a16="http://schemas.microsoft.com/office/drawing/2014/main" id="{DC8E20B2-EC55-481C-9EF5-DCB564F8CCAA}"/>
+              </a:ext>
+            </a:extLst>
+          </p:cNvPr>
+          <p:cNvPicPr>
+            <a:picLocks noChangeAspect="1"/>
+          </p:cNvPicPr>
+          <p:nvPr/>
+        </p:nvPicPr>
+        <p:blipFill>
+          <a:blip r:embed="rId2">
+            <a:extLst>
+              <a:ext uri="{28A0092B-C50C-407E-A947-70E740481C1C}">
+                <a14:useLocalDpi xmlns:a14="http://schemas.microsoft.com/office/drawing/2010/main" val="0"/>
+              </a:ext>
+            </a:extLst>
+          </a:blip>
+          <a:stretch>
+            <a:fillRect/>
+          </a:stretch>
+        </p:blipFill>
+        <p:spPr>
+          <a:xfrm>
+            <a:off x="390029" y="1650034"/>
+            <a:ext cx="5919029" cy="4842841"/>
+          </a:xfrm>
+          <a:prstGeom prst="rect">
+            <a:avLst/>
+          </a:prstGeom>
+        </p:spPr>
+      </p:pic>
+      <p:pic>
+        <p:nvPicPr>
+          <p:cNvPr id="5" name="Content Placeholder 4">
+            <a:extLst>
+              <a:ext uri="{FF2B5EF4-FFF2-40B4-BE49-F238E27FC236}">
+                <a16:creationId xmlns:a16="http://schemas.microsoft.com/office/drawing/2014/main" id="{ADF89B9C-84E9-45C1-B3B8-D58120AD4E33}"/>
+              </a:ext>
+            </a:extLst>
+          </p:cNvPr>
+          <p:cNvPicPr>
+            <a:picLocks noGrp="1" noChangeAspect="1"/>
+          </p:cNvPicPr>
+          <p:nvPr>
+            <p:ph idx="1"/>
+          </p:nvPr>
+        </p:nvPicPr>
+        <p:blipFill>
+          <a:blip r:embed="rId3">
+            <a:extLst>
+              <a:ext uri="{28A0092B-C50C-407E-A947-70E740481C1C}">
+                <a14:useLocalDpi xmlns:a14="http://schemas.microsoft.com/office/drawing/2010/main" val="0"/>
+              </a:ext>
+            </a:extLst>
+          </a:blip>
+          <a:stretch>
+            <a:fillRect/>
+          </a:stretch>
+        </p:blipFill>
+        <p:spPr>
+          <a:xfrm>
+            <a:off x="5865227" y="365125"/>
+            <a:ext cx="5488573" cy="3659048"/>
+          </a:xfrm>
+        </p:spPr>
+      </p:pic>
+      <p:sp>
+        <p:nvSpPr>
+          <p:cNvPr id="11" name="TextBox 10">
+            <a:extLst>
+              <a:ext uri="{FF2B5EF4-FFF2-40B4-BE49-F238E27FC236}">
+                <a16:creationId xmlns:a16="http://schemas.microsoft.com/office/drawing/2014/main" id="{63908769-8D04-4BBD-BB80-BDAF0A1EFDBB}"/>
+              </a:ext>
+            </a:extLst>
+          </p:cNvPr>
+          <p:cNvSpPr txBox="1"/>
+          <p:nvPr/>
+        </p:nvSpPr>
+        <p:spPr>
+          <a:xfrm>
+            <a:off x="6769914" y="4246106"/>
+            <a:ext cx="4864277" cy="2246769"/>
+          </a:xfrm>
+          <a:prstGeom prst="rect">
+            <a:avLst/>
+          </a:prstGeom>
+          <a:noFill/>
+        </p:spPr>
+        <p:txBody>
+          <a:bodyPr wrap="square" rtlCol="0">
+            <a:spAutoFit/>
+          </a:bodyPr>
+          <a:lstStyle/>
+          <a:p>
+            <a:r>
+              <a:rPr lang="en-US" sz="2800" dirty="0">
+                <a:latin typeface="Times New Roman" panose="02020603050405020304" pitchFamily="18" charset="0"/>
+                <a:cs typeface="Times New Roman" panose="02020603050405020304" pitchFamily="18" charset="0"/>
+              </a:rPr>
+              <a:t>0 – Exhauster Score</a:t>
+            </a:r>
+          </a:p>
+          <a:p>
+            <a:r>
+              <a:rPr lang="en-US" sz="2800" dirty="0">
+                <a:latin typeface="Times New Roman" panose="02020603050405020304" pitchFamily="18" charset="0"/>
+                <a:cs typeface="Times New Roman" panose="02020603050405020304" pitchFamily="18" charset="0"/>
+              </a:rPr>
+              <a:t>1 – Age</a:t>
+            </a:r>
+          </a:p>
+          <a:p>
+            <a:r>
+              <a:rPr lang="en-US" sz="2800" dirty="0">
+                <a:latin typeface="Times New Roman" panose="02020603050405020304" pitchFamily="18" charset="0"/>
+                <a:cs typeface="Times New Roman" panose="02020603050405020304" pitchFamily="18" charset="0"/>
+              </a:rPr>
+              <a:t>2 – Admission Type</a:t>
+            </a:r>
+          </a:p>
+          <a:p>
+            <a:r>
+              <a:rPr lang="en-US" sz="2800" dirty="0">
+                <a:latin typeface="Times New Roman" panose="02020603050405020304" pitchFamily="18" charset="0"/>
+                <a:cs typeface="Times New Roman" panose="02020603050405020304" pitchFamily="18" charset="0"/>
+              </a:rPr>
+              <a:t>(3-7) – Glucose Measurements </a:t>
+            </a:r>
+          </a:p>
+          <a:p>
+            <a:r>
+              <a:rPr lang="en-US" sz="2800" dirty="0">
+                <a:latin typeface="Times New Roman" panose="02020603050405020304" pitchFamily="18" charset="0"/>
+                <a:cs typeface="Times New Roman" panose="02020603050405020304" pitchFamily="18" charset="0"/>
+              </a:rPr>
+              <a:t>8 – Glucose Range </a:t>
+            </a:r>
+          </a:p>
+        </p:txBody>
+      </p:sp>
+    </p:spTree>
+    <p:extLst>
+      <p:ext uri="{BB962C8B-B14F-4D97-AF65-F5344CB8AC3E}">
+        <p14:creationId xmlns:p14="http://schemas.microsoft.com/office/powerpoint/2010/main" val="2351409296"/>
+      </p:ext>
+    </p:extLst>
+  </p:cSld>
+  <p:clrMapOvr>
+    <a:masterClrMapping/>
+  </p:clrMapOvr>
+  <p:timing>
+    <p:tnLst>
+      <p:par>
+        <p:cTn id="1" dur="indefinite" restart="never" nodeType="tmRoot">
+          <p:childTnLst>
+            <p:seq concurrent="1" nextAc="seek">
+              <p:cTn id="2" dur="indefinite" nodeType="mainSeq">
+                <p:childTnLst>
+                  <p:par>
+                    <p:cTn id="3" fill="hold">
+                      <p:stCondLst>
+                        <p:cond delay="indefinite"/>
+                      </p:stCondLst>
+                      <p:childTnLst>
+                        <p:par>
+                          <p:cTn id="4" fill="hold">
+                            <p:stCondLst>
+                              <p:cond delay="0"/>
+                            </p:stCondLst>
+                            <p:childTnLst>
+                              <p:par>
+                                <p:cTn id="5" presetID="1" presetClass="entr" presetSubtype="0" fill="hold" grpId="0" nodeType="clickEffect">
+                                  <p:stCondLst>
+                                    <p:cond delay="0"/>
+                                  </p:stCondLst>
+                                  <p:childTnLst>
+                                    <p:set>
+                                      <p:cBhvr>
+                                        <p:cTn id="6" dur="1" fill="hold">
+                                          <p:stCondLst>
+                                            <p:cond delay="0"/>
+                                          </p:stCondLst>
+                                        </p:cTn>
+                                        <p:tgtEl>
+                                          <p:spTgt spid="11"/>
+                                        </p:tgtEl>
+                                        <p:attrNameLst>
+                                          <p:attrName>style.visibility</p:attrName>
+                                        </p:attrNameLst>
+                                      </p:cBhvr>
+                                      <p:to>
+                                        <p:strVal val="visible"/>
+                                      </p:to>
+                                    </p:set>
+                                  </p:childTnLst>
+                                </p:cTn>
+                              </p:par>
+                              <p:par>
+                                <p:cTn id="7" presetID="1" presetClass="entr" presetSubtype="0" fill="hold" nodeType="withEffect">
+                                  <p:stCondLst>
+                                    <p:cond delay="0"/>
+                                  </p:stCondLst>
+                                  <p:childTnLst>
+                                    <p:set>
+                                      <p:cBhvr>
+                                        <p:cTn id="8" dur="1" fill="hold">
+                                          <p:stCondLst>
+                                            <p:cond delay="0"/>
+                                          </p:stCondLst>
+                                        </p:cTn>
+                                        <p:tgtEl>
+                                          <p:spTgt spid="5"/>
+                                        </p:tgtEl>
+                                        <p:attrNameLst>
+                                          <p:attrName>style.visibility</p:attrName>
+                                        </p:attrNameLst>
+                                      </p:cBhvr>
+                                      <p:to>
+                                        <p:strVal val="visible"/>
+                                      </p:to>
+                                    </p:set>
+                                  </p:childTnLst>
+                                </p:cTn>
+                              </p:par>
+                            </p:childTnLst>
+                          </p:cTn>
+                        </p:par>
+                      </p:childTnLst>
+                    </p:cTn>
+                  </p:par>
+                </p:childTnLst>
+              </p:cTn>
+              <p:prevCondLst>
+                <p:cond evt="onPrev" delay="0">
+                  <p:tgtEl>
+                    <p:sldTgt/>
+                  </p:tgtEl>
+                </p:cond>
+              </p:prevCondLst>
+              <p:nextCondLst>
+                <p:cond evt="onNext" delay="0">
+                  <p:tgtEl>
+                    <p:sldTgt/>
+                  </p:tgtEl>
+                </p:cond>
+              </p:nextCondLst>
+            </p:seq>
+          </p:childTnLst>
+        </p:cTn>
+      </p:par>
+    </p:tnLst>
+    <p:bldLst>
+      <p:bldP spid="11" grpId="0"/>
+    </p:bldLst>
+  </p:timing>
+</p:sld>
+</file>
+
+<file path=ppt/slides/slide9.xml><?xml version="1.0" encoding="utf-8"?>
+<p:sld xmlns:a="http://schemas.openxmlformats.org/drawingml/2006/main" xmlns:r="http://schemas.openxmlformats.org/officeDocument/2006/relationships" xmlns:p="http://schemas.openxmlformats.org/presentationml/2006/main">
+  <p:cSld>
+    <p:spTree>
+      <p:nvGrpSpPr>
+        <p:cNvPr id="1" name=""/>
+        <p:cNvGrpSpPr/>
+        <p:nvPr/>
+      </p:nvGrpSpPr>
+      <p:grpSpPr>
+        <a:xfrm>
+          <a:off x="0" y="0"/>
+          <a:ext cx="0" cy="0"/>
+          <a:chOff x="0" y="0"/>
+          <a:chExt cx="0" cy="0"/>
+        </a:xfrm>
+      </p:grpSpPr>
+      <p:sp>
+        <p:nvSpPr>
+          <p:cNvPr id="2" name="Title 1">
+            <a:extLst>
+              <a:ext uri="{FF2B5EF4-FFF2-40B4-BE49-F238E27FC236}">
+                <a16:creationId xmlns:a16="http://schemas.microsoft.com/office/drawing/2014/main" id="{73075AD0-9450-4DF7-B9CB-E45E86822515}"/>
+              </a:ext>
+            </a:extLst>
+          </p:cNvPr>
+          <p:cNvSpPr>
+            <a:spLocks noGrp="1"/>
+          </p:cNvSpPr>
+          <p:nvPr>
+            <p:ph type="title"/>
+          </p:nvPr>
+        </p:nvSpPr>
+        <p:spPr/>
+        <p:txBody>
+          <a:bodyPr/>
+          <a:lstStyle/>
+          <a:p>
+            <a:r>
+              <a:rPr lang="en-US" dirty="0"/>
+              <a:t>Modeling Techniques</a:t>
+            </a:r>
+          </a:p>
+        </p:txBody>
+      </p:sp>
+      <p:sp>
+        <p:nvSpPr>
+          <p:cNvPr id="3" name="Content Placeholder 2">
+            <a:extLst>
+              <a:ext uri="{FF2B5EF4-FFF2-40B4-BE49-F238E27FC236}">
+                <a16:creationId xmlns:a16="http://schemas.microsoft.com/office/drawing/2014/main" id="{41DF8A1A-BA7F-48E4-94A3-F9DD16C481F3}"/>
+              </a:ext>
+            </a:extLst>
+          </p:cNvPr>
+          <p:cNvSpPr>
+            <a:spLocks noGrp="1"/>
+          </p:cNvSpPr>
+          <p:nvPr>
+            <p:ph idx="1"/>
+          </p:nvPr>
+        </p:nvSpPr>
+        <p:spPr/>
+        <p:txBody>
+          <a:bodyPr/>
+          <a:lstStyle/>
+          <a:p>
+            <a:r>
+              <a:rPr lang="en-US" dirty="0"/>
+              <a:t>Baseline Models</a:t>
+            </a:r>
+          </a:p>
+          <a:p>
+            <a:pPr lvl="1"/>
+            <a:r>
+              <a:rPr lang="en-US" dirty="0"/>
+              <a:t>Decision Tree</a:t>
+            </a:r>
+          </a:p>
+          <a:p>
+            <a:pPr lvl="1"/>
+            <a:r>
+              <a:rPr lang="en-US" dirty="0"/>
+              <a:t>Random Forest</a:t>
+            </a:r>
+          </a:p>
+          <a:p>
+            <a:r>
+              <a:rPr lang="en-US" dirty="0"/>
+              <a:t>Results AUC and Accuracy</a:t>
+            </a:r>
+          </a:p>
+          <a:p>
+            <a:endParaRPr lang="en-US" dirty="0"/>
+          </a:p>
+          <a:p>
+            <a:endParaRPr lang="en-US" dirty="0"/>
+          </a:p>
+          <a:p>
+            <a:pPr marL="457200" lvl="1" indent="0">
+              <a:buNone/>
+            </a:pPr>
+            <a:endParaRPr lang="en-US" dirty="0"/>
+          </a:p>
+          <a:p>
+            <a:pPr marL="457200" lvl="1" indent="0">
+              <a:buNone/>
+            </a:pPr>
+            <a:endParaRPr lang="en-US" dirty="0"/>
+          </a:p>
+          <a:p>
+            <a:pPr marL="457200" lvl="1" indent="0">
+              <a:buNone/>
+            </a:pPr>
+            <a:endParaRPr lang="en-US" dirty="0"/>
+          </a:p>
+          <a:p>
+            <a:pPr marL="457200" lvl="1" indent="0">
+              <a:buNone/>
+            </a:pPr>
+            <a:endParaRPr lang="en-US" dirty="0"/>
+          </a:p>
+          <a:p>
+            <a:pPr lvl="1"/>
+            <a:endParaRPr lang="en-US" dirty="0"/>
+          </a:p>
+          <a:p>
+            <a:pPr marL="457200" lvl="1" indent="0">
+              <a:buNone/>
+            </a:pPr>
+            <a:endParaRPr lang="en-US" dirty="0"/>
+          </a:p>
+        </p:txBody>
+      </p:sp>
+      <p:pic>
+        <p:nvPicPr>
+          <p:cNvPr id="4" name="Picture 3">
+            <a:extLst>
+              <a:ext uri="{FF2B5EF4-FFF2-40B4-BE49-F238E27FC236}">
+                <a16:creationId xmlns:a16="http://schemas.microsoft.com/office/drawing/2014/main" id="{339AB291-D7E8-4C72-822F-DB79653F766F}"/>
+              </a:ext>
+            </a:extLst>
+          </p:cNvPr>
+          <p:cNvPicPr>
+            <a:picLocks noChangeAspect="1"/>
+          </p:cNvPicPr>
+          <p:nvPr/>
+        </p:nvPicPr>
+        <p:blipFill>
+          <a:blip r:embed="rId2"/>
+          <a:stretch>
+            <a:fillRect/>
+          </a:stretch>
+        </p:blipFill>
+        <p:spPr>
+          <a:xfrm>
+            <a:off x="6876681" y="681037"/>
+            <a:ext cx="4775954" cy="2976563"/>
+          </a:xfrm>
+          <a:prstGeom prst="rect">
+            <a:avLst/>
+          </a:prstGeom>
+        </p:spPr>
+      </p:pic>
+    </p:spTree>
+    <p:extLst>
+      <p:ext uri="{BB962C8B-B14F-4D97-AF65-F5344CB8AC3E}">
+        <p14:creationId xmlns:p14="http://schemas.microsoft.com/office/powerpoint/2010/main" val="2983265276"/>
       </p:ext>
     </p:extLst>
   </p:cSld>

--- a/O. Week 3-4-2019/FinalPresentationWittler.pptx
+++ b/O. Week 3-4-2019/FinalPresentationWittler.pptx
@@ -10239,7 +10239,7 @@
           <a:graphicData uri="http://schemas.openxmlformats.org/presentationml/2006/ole">
             <mc:AlternateContent xmlns:mc="http://schemas.openxmlformats.org/markup-compatibility/2006">
               <mc:Choice xmlns:v="urn:schemas-microsoft-com:vml" Requires="v">
-                <p:oleObj spid="_x0000_s1038" name="Packager Shell Object" showAsIcon="1" r:id="rId8" imgW="1762200" imgH="538200" progId="Package">
+                <p:oleObj spid="_x0000_s1042" name="Packager Shell Object" showAsIcon="1" r:id="rId8" imgW="1762200" imgH="538200" progId="Package">
                   <p:embed/>
                 </p:oleObj>
               </mc:Choice>
@@ -10292,7 +10292,7 @@
           <p:nvPr>
             <p:extLst>
               <p:ext uri="{D42A27DB-BD31-4B8C-83A1-F6EECF244321}">
-                <p14:modId xmlns:p14="http://schemas.microsoft.com/office/powerpoint/2010/main" val="1352327695"/>
+                <p14:modId xmlns:p14="http://schemas.microsoft.com/office/powerpoint/2010/main" val="4127907583"/>
               </p:ext>
             </p:extLst>
           </p:nvPr>
@@ -10305,7 +10305,7 @@
           <a:graphicData uri="http://schemas.openxmlformats.org/presentationml/2006/ole">
             <mc:AlternateContent xmlns:mc="http://schemas.openxmlformats.org/markup-compatibility/2006">
               <mc:Choice xmlns:v="urn:schemas-microsoft-com:vml" Requires="v">
-                <p:oleObj spid="_x0000_s1039" name="Packager Shell Object" showAsIcon="1" r:id="rId10" imgW="1752480" imgH="538200" progId="Package">
+                <p:oleObj spid="_x0000_s1043" name="Packager Shell Object" showAsIcon="1" r:id="rId10" imgW="1752480" imgH="538200" progId="Package">
                   <p:embed/>
                 </p:oleObj>
               </mc:Choice>
@@ -11376,8 +11376,8 @@
         </p:blipFill>
         <p:spPr>
           <a:xfrm>
-            <a:off x="6876681" y="681037"/>
-            <a:ext cx="4775954" cy="2976563"/>
+            <a:off x="6493789" y="850811"/>
+            <a:ext cx="4503549" cy="2806789"/>
           </a:xfrm>
           <a:prstGeom prst="rect">
             <a:avLst/>
